--- a/resources/image-sources/Client SDK FIDOIOT Figures.pptx
+++ b/resources/image-sources/Client SDK FIDOIOT Figures.pptx
@@ -121,7 +121,7 @@
 <file path=ppt/revisionInfo.xml><?xml version="1.0" encoding="utf-8"?>
 <p1510:revInfo xmlns:a="http://schemas.openxmlformats.org/drawingml/2006/main" xmlns:r="http://schemas.openxmlformats.org/officeDocument/2006/relationships" xmlns:p1510="http://schemas.microsoft.com/office/powerpoint/2015/10/main">
   <p1510:revLst>
-    <p1510:client id="{6EA7A360-075B-4FAA-B184-F653D53EB23D}" v="11" dt="2020-11-24T01:50:19.074"/>
+    <p1510:client id="{0ED6C77C-EEE1-4E91-AA28-BBB4F5726752}" v="5" dt="2020-12-11T22:25:55.607"/>
   </p1510:revLst>
 </p1510:revInfo>
 </file>
@@ -343,6 +343,116 @@
       </pc:sldChg>
     </pc:docChg>
   </pc:docChgLst>
+  <pc:docChgLst>
+    <pc:chgData name="Barnes, Thomas J" userId="37480386-2bb4-40b2-9bcc-723ca760ccb2" providerId="ADAL" clId="{0ED6C77C-EEE1-4E91-AA28-BBB4F5726752}"/>
+    <pc:docChg chg="modSld">
+      <pc:chgData name="Barnes, Thomas J" userId="37480386-2bb4-40b2-9bcc-723ca760ccb2" providerId="ADAL" clId="{0ED6C77C-EEE1-4E91-AA28-BBB4F5726752}" dt="2020-12-11T22:25:55.607" v="115"/>
+      <pc:docMkLst>
+        <pc:docMk/>
+      </pc:docMkLst>
+      <pc:sldChg chg="modSp">
+        <pc:chgData name="Barnes, Thomas J" userId="37480386-2bb4-40b2-9bcc-723ca760ccb2" providerId="ADAL" clId="{0ED6C77C-EEE1-4E91-AA28-BBB4F5726752}" dt="2020-12-11T22:23:38.768" v="11" actId="20577"/>
+        <pc:sldMkLst>
+          <pc:docMk/>
+          <pc:sldMk cId="1304774395" sldId="256"/>
+        </pc:sldMkLst>
+        <pc:spChg chg="mod">
+          <ac:chgData name="Barnes, Thomas J" userId="37480386-2bb4-40b2-9bcc-723ca760ccb2" providerId="ADAL" clId="{0ED6C77C-EEE1-4E91-AA28-BBB4F5726752}" dt="2020-12-11T22:23:32.759" v="3" actId="20577"/>
+          <ac:spMkLst>
+            <pc:docMk/>
+            <pc:sldMk cId="1304774395" sldId="256"/>
+            <ac:spMk id="2" creationId="{6486B4D3-7E15-4F73-8C27-C74D3FAB24CA}"/>
+          </ac:spMkLst>
+        </pc:spChg>
+        <pc:spChg chg="mod">
+          <ac:chgData name="Barnes, Thomas J" userId="37480386-2bb4-40b2-9bcc-723ca760ccb2" providerId="ADAL" clId="{0ED6C77C-EEE1-4E91-AA28-BBB4F5726752}" dt="2020-12-11T22:23:38.768" v="11" actId="20577"/>
+          <ac:spMkLst>
+            <pc:docMk/>
+            <pc:sldMk cId="1304774395" sldId="256"/>
+            <ac:spMk id="3" creationId="{79BBA8C9-B9BB-4EF4-B2F8-66EC48BE8E6E}"/>
+          </ac:spMkLst>
+        </pc:spChg>
+      </pc:sldChg>
+      <pc:sldChg chg="addSp modSp">
+        <pc:chgData name="Barnes, Thomas J" userId="37480386-2bb4-40b2-9bcc-723ca760ccb2" providerId="ADAL" clId="{0ED6C77C-EEE1-4E91-AA28-BBB4F5726752}" dt="2020-12-11T22:25:19.208" v="111" actId="20577"/>
+        <pc:sldMkLst>
+          <pc:docMk/>
+          <pc:sldMk cId="948198937" sldId="259"/>
+        </pc:sldMkLst>
+        <pc:spChg chg="add mod">
+          <ac:chgData name="Barnes, Thomas J" userId="37480386-2bb4-40b2-9bcc-723ca760ccb2" providerId="ADAL" clId="{0ED6C77C-EEE1-4E91-AA28-BBB4F5726752}" dt="2020-12-11T22:24:48.809" v="38" actId="1038"/>
+          <ac:spMkLst>
+            <pc:docMk/>
+            <pc:sldMk cId="948198937" sldId="259"/>
+            <ac:spMk id="11" creationId="{EB207ED8-702D-434B-81D2-3DD4A4202B8A}"/>
+          </ac:spMkLst>
+        </pc:spChg>
+        <pc:spChg chg="add mod">
+          <ac:chgData name="Barnes, Thomas J" userId="37480386-2bb4-40b2-9bcc-723ca760ccb2" providerId="ADAL" clId="{0ED6C77C-EEE1-4E91-AA28-BBB4F5726752}" dt="2020-12-11T22:24:44.616" v="33" actId="1036"/>
+          <ac:spMkLst>
+            <pc:docMk/>
+            <pc:sldMk cId="948198937" sldId="259"/>
+            <ac:spMk id="22" creationId="{8EAEAA98-3240-4230-8548-07B3160F1F4B}"/>
+          </ac:spMkLst>
+        </pc:spChg>
+        <pc:spChg chg="add mod">
+          <ac:chgData name="Barnes, Thomas J" userId="37480386-2bb4-40b2-9bcc-723ca760ccb2" providerId="ADAL" clId="{0ED6C77C-EEE1-4E91-AA28-BBB4F5726752}" dt="2020-12-11T22:25:14.881" v="108" actId="20577"/>
+          <ac:spMkLst>
+            <pc:docMk/>
+            <pc:sldMk cId="948198937" sldId="259"/>
+            <ac:spMk id="24" creationId="{D4F220C4-48CA-4F79-B429-94647A570F88}"/>
+          </ac:spMkLst>
+        </pc:spChg>
+        <pc:spChg chg="add mod">
+          <ac:chgData name="Barnes, Thomas J" userId="37480386-2bb4-40b2-9bcc-723ca760ccb2" providerId="ADAL" clId="{0ED6C77C-EEE1-4E91-AA28-BBB4F5726752}" dt="2020-12-11T22:25:19.208" v="111" actId="20577"/>
+          <ac:spMkLst>
+            <pc:docMk/>
+            <pc:sldMk cId="948198937" sldId="259"/>
+            <ac:spMk id="25" creationId="{4EAC8FC1-CF39-4A47-B97A-14F38E896D11}"/>
+          </ac:spMkLst>
+        </pc:spChg>
+      </pc:sldChg>
+      <pc:sldChg chg="addSp modSp">
+        <pc:chgData name="Barnes, Thomas J" userId="37480386-2bb4-40b2-9bcc-723ca760ccb2" providerId="ADAL" clId="{0ED6C77C-EEE1-4E91-AA28-BBB4F5726752}" dt="2020-12-11T22:25:55.607" v="115"/>
+        <pc:sldMkLst>
+          <pc:docMk/>
+          <pc:sldMk cId="3044289826" sldId="260"/>
+        </pc:sldMkLst>
+        <pc:spChg chg="add mod">
+          <ac:chgData name="Barnes, Thomas J" userId="37480386-2bb4-40b2-9bcc-723ca760ccb2" providerId="ADAL" clId="{0ED6C77C-EEE1-4E91-AA28-BBB4F5726752}" dt="2020-12-11T22:25:31.808" v="114" actId="1037"/>
+          <ac:spMkLst>
+            <pc:docMk/>
+            <pc:sldMk cId="3044289826" sldId="260"/>
+            <ac:spMk id="21" creationId="{D9ECB586-FE4B-4110-9404-DFBD864C154C}"/>
+          </ac:spMkLst>
+        </pc:spChg>
+        <pc:spChg chg="add mod">
+          <ac:chgData name="Barnes, Thomas J" userId="37480386-2bb4-40b2-9bcc-723ca760ccb2" providerId="ADAL" clId="{0ED6C77C-EEE1-4E91-AA28-BBB4F5726752}" dt="2020-12-11T22:25:31.808" v="114" actId="1037"/>
+          <ac:spMkLst>
+            <pc:docMk/>
+            <pc:sldMk cId="3044289826" sldId="260"/>
+            <ac:spMk id="22" creationId="{1ED1F05A-A955-4643-B071-FF1A5554ED2F}"/>
+          </ac:spMkLst>
+        </pc:spChg>
+        <pc:spChg chg="add">
+          <ac:chgData name="Barnes, Thomas J" userId="37480386-2bb4-40b2-9bcc-723ca760ccb2" providerId="ADAL" clId="{0ED6C77C-EEE1-4E91-AA28-BBB4F5726752}" dt="2020-12-11T22:25:55.607" v="115"/>
+          <ac:spMkLst>
+            <pc:docMk/>
+            <pc:sldMk cId="3044289826" sldId="260"/>
+            <ac:spMk id="24" creationId="{0EF3237C-E998-4118-A7E3-FCB7F5F23449}"/>
+          </ac:spMkLst>
+        </pc:spChg>
+        <pc:spChg chg="add">
+          <ac:chgData name="Barnes, Thomas J" userId="37480386-2bb4-40b2-9bcc-723ca760ccb2" providerId="ADAL" clId="{0ED6C77C-EEE1-4E91-AA28-BBB4F5726752}" dt="2020-12-11T22:25:55.607" v="115"/>
+          <ac:spMkLst>
+            <pc:docMk/>
+            <pc:sldMk cId="3044289826" sldId="260"/>
+            <ac:spMk id="25" creationId="{0037DEBE-667F-4E79-A14B-E9D3DD77BCE3}"/>
+          </ac:spMkLst>
+        </pc:spChg>
+      </pc:sldChg>
+    </pc:docChg>
+  </pc:docChgLst>
 </pc:chgInfo>
 </file>
 
@@ -493,7 +603,7 @@
           <a:p>
             <a:fld id="{AD003205-85E0-4114-BC53-AFE7A5F5D57B}" type="datetimeFigureOut">
               <a:rPr lang="en-US" smtClean="0"/>
-              <a:t>11/23/2020</a:t>
+              <a:t>12/11/2020</a:t>
             </a:fld>
             <a:endParaRPr lang="en-US"/>
           </a:p>
@@ -691,7 +801,7 @@
           <a:p>
             <a:fld id="{AD003205-85E0-4114-BC53-AFE7A5F5D57B}" type="datetimeFigureOut">
               <a:rPr lang="en-US" smtClean="0"/>
-              <a:t>11/23/2020</a:t>
+              <a:t>12/11/2020</a:t>
             </a:fld>
             <a:endParaRPr lang="en-US"/>
           </a:p>
@@ -899,7 +1009,7 @@
           <a:p>
             <a:fld id="{AD003205-85E0-4114-BC53-AFE7A5F5D57B}" type="datetimeFigureOut">
               <a:rPr lang="en-US" smtClean="0"/>
-              <a:t>11/23/2020</a:t>
+              <a:t>12/11/2020</a:t>
             </a:fld>
             <a:endParaRPr lang="en-US"/>
           </a:p>
@@ -1097,7 +1207,7 @@
           <a:p>
             <a:fld id="{AD003205-85E0-4114-BC53-AFE7A5F5D57B}" type="datetimeFigureOut">
               <a:rPr lang="en-US" smtClean="0"/>
-              <a:t>11/23/2020</a:t>
+              <a:t>12/11/2020</a:t>
             </a:fld>
             <a:endParaRPr lang="en-US"/>
           </a:p>
@@ -1372,7 +1482,7 @@
           <a:p>
             <a:fld id="{AD003205-85E0-4114-BC53-AFE7A5F5D57B}" type="datetimeFigureOut">
               <a:rPr lang="en-US" smtClean="0"/>
-              <a:t>11/23/2020</a:t>
+              <a:t>12/11/2020</a:t>
             </a:fld>
             <a:endParaRPr lang="en-US"/>
           </a:p>
@@ -1637,7 +1747,7 @@
           <a:p>
             <a:fld id="{AD003205-85E0-4114-BC53-AFE7A5F5D57B}" type="datetimeFigureOut">
               <a:rPr lang="en-US" smtClean="0"/>
-              <a:t>11/23/2020</a:t>
+              <a:t>12/11/2020</a:t>
             </a:fld>
             <a:endParaRPr lang="en-US"/>
           </a:p>
@@ -2049,7 +2159,7 @@
           <a:p>
             <a:fld id="{AD003205-85E0-4114-BC53-AFE7A5F5D57B}" type="datetimeFigureOut">
               <a:rPr lang="en-US" smtClean="0"/>
-              <a:t>11/23/2020</a:t>
+              <a:t>12/11/2020</a:t>
             </a:fld>
             <a:endParaRPr lang="en-US"/>
           </a:p>
@@ -2190,7 +2300,7 @@
           <a:p>
             <a:fld id="{AD003205-85E0-4114-BC53-AFE7A5F5D57B}" type="datetimeFigureOut">
               <a:rPr lang="en-US" smtClean="0"/>
-              <a:t>11/23/2020</a:t>
+              <a:t>12/11/2020</a:t>
             </a:fld>
             <a:endParaRPr lang="en-US"/>
           </a:p>
@@ -2303,7 +2413,7 @@
           <a:p>
             <a:fld id="{AD003205-85E0-4114-BC53-AFE7A5F5D57B}" type="datetimeFigureOut">
               <a:rPr lang="en-US" smtClean="0"/>
-              <a:t>11/23/2020</a:t>
+              <a:t>12/11/2020</a:t>
             </a:fld>
             <a:endParaRPr lang="en-US"/>
           </a:p>
@@ -2614,7 +2724,7 @@
           <a:p>
             <a:fld id="{AD003205-85E0-4114-BC53-AFE7A5F5D57B}" type="datetimeFigureOut">
               <a:rPr lang="en-US" smtClean="0"/>
-              <a:t>11/23/2020</a:t>
+              <a:t>12/11/2020</a:t>
             </a:fld>
             <a:endParaRPr lang="en-US"/>
           </a:p>
@@ -2902,7 +3012,7 @@
           <a:p>
             <a:fld id="{AD003205-85E0-4114-BC53-AFE7A5F5D57B}" type="datetimeFigureOut">
               <a:rPr lang="en-US" smtClean="0"/>
-              <a:t>11/23/2020</a:t>
+              <a:t>12/11/2020</a:t>
             </a:fld>
             <a:endParaRPr lang="en-US"/>
           </a:p>
@@ -3143,7 +3253,7 @@
           <a:p>
             <a:fld id="{AD003205-85E0-4114-BC53-AFE7A5F5D57B}" type="datetimeFigureOut">
               <a:rPr lang="en-US" smtClean="0"/>
-              <a:t>11/23/2020</a:t>
+              <a:t>12/11/2020</a:t>
             </a:fld>
             <a:endParaRPr lang="en-US"/>
           </a:p>
@@ -3592,11 +3702,7 @@
             </a:br>
             <a:r>
               <a:rPr lang="en-US" dirty="0"/>
-              <a:t>FIDO IOT Design </a:t>
-            </a:r>
-            <a:r>
-              <a:rPr lang="en-US" dirty="0" err="1"/>
-              <a:t>Doucment</a:t>
+              <a:t>FIDO IOT Design Document</a:t>
             </a:r>
             <a:br>
               <a:rPr lang="en-US" dirty="0"/>
@@ -3637,7 +3743,7 @@
           <a:p>
             <a:r>
               <a:rPr lang="en-US" dirty="0"/>
-              <a:t>November 2020</a:t>
+              <a:t>December 2020</a:t>
             </a:r>
           </a:p>
         </p:txBody>
@@ -7179,6 +7285,146 @@
           </a:fontRef>
         </p:style>
       </p:cxnSp>
+      <p:sp>
+        <p:nvSpPr>
+          <p:cNvPr id="11" name="TextBox 10">
+            <a:extLst>
+              <a:ext uri="{FF2B5EF4-FFF2-40B4-BE49-F238E27FC236}">
+                <a16:creationId xmlns:a16="http://schemas.microsoft.com/office/drawing/2014/main" id="{EB207ED8-702D-434B-81D2-3DD4A4202B8A}"/>
+              </a:ext>
+            </a:extLst>
+          </p:cNvPr>
+          <p:cNvSpPr txBox="1"/>
+          <p:nvPr/>
+        </p:nvSpPr>
+        <p:spPr>
+          <a:xfrm>
+            <a:off x="2305137" y="3668261"/>
+            <a:ext cx="386837" cy="276999"/>
+          </a:xfrm>
+          <a:prstGeom prst="rect">
+            <a:avLst/>
+          </a:prstGeom>
+          <a:noFill/>
+        </p:spPr>
+        <p:txBody>
+          <a:bodyPr wrap="none" rtlCol="0">
+            <a:spAutoFit/>
+          </a:bodyPr>
+          <a:lstStyle/>
+          <a:p>
+            <a:r>
+              <a:rPr lang="en-US" sz="1200" dirty="0"/>
+              <a:t>Yes</a:t>
+            </a:r>
+          </a:p>
+        </p:txBody>
+      </p:sp>
+      <p:sp>
+        <p:nvSpPr>
+          <p:cNvPr id="22" name="TextBox 21">
+            <a:extLst>
+              <a:ext uri="{FF2B5EF4-FFF2-40B4-BE49-F238E27FC236}">
+                <a16:creationId xmlns:a16="http://schemas.microsoft.com/office/drawing/2014/main" id="{8EAEAA98-3240-4230-8548-07B3160F1F4B}"/>
+              </a:ext>
+            </a:extLst>
+          </p:cNvPr>
+          <p:cNvSpPr txBox="1"/>
+          <p:nvPr/>
+        </p:nvSpPr>
+        <p:spPr>
+          <a:xfrm>
+            <a:off x="3756592" y="2653612"/>
+            <a:ext cx="365806" cy="276999"/>
+          </a:xfrm>
+          <a:prstGeom prst="rect">
+            <a:avLst/>
+          </a:prstGeom>
+          <a:noFill/>
+        </p:spPr>
+        <p:txBody>
+          <a:bodyPr wrap="none" rtlCol="0">
+            <a:spAutoFit/>
+          </a:bodyPr>
+          <a:lstStyle/>
+          <a:p>
+            <a:r>
+              <a:rPr lang="en-US" sz="1200" dirty="0"/>
+              <a:t>No</a:t>
+            </a:r>
+          </a:p>
+        </p:txBody>
+      </p:sp>
+      <p:sp>
+        <p:nvSpPr>
+          <p:cNvPr id="24" name="TextBox 23">
+            <a:extLst>
+              <a:ext uri="{FF2B5EF4-FFF2-40B4-BE49-F238E27FC236}">
+                <a16:creationId xmlns:a16="http://schemas.microsoft.com/office/drawing/2014/main" id="{D4F220C4-48CA-4F79-B429-94647A570F88}"/>
+              </a:ext>
+            </a:extLst>
+          </p:cNvPr>
+          <p:cNvSpPr txBox="1"/>
+          <p:nvPr/>
+        </p:nvSpPr>
+        <p:spPr>
+          <a:xfrm>
+            <a:off x="5200738" y="3676277"/>
+            <a:ext cx="365806" cy="276999"/>
+          </a:xfrm>
+          <a:prstGeom prst="rect">
+            <a:avLst/>
+          </a:prstGeom>
+          <a:noFill/>
+        </p:spPr>
+        <p:txBody>
+          <a:bodyPr wrap="none" rtlCol="0">
+            <a:spAutoFit/>
+          </a:bodyPr>
+          <a:lstStyle/>
+          <a:p>
+            <a:r>
+              <a:rPr lang="en-US" sz="1200" dirty="0"/>
+              <a:t>No</a:t>
+            </a:r>
+          </a:p>
+        </p:txBody>
+      </p:sp>
+      <p:sp>
+        <p:nvSpPr>
+          <p:cNvPr id="25" name="TextBox 24">
+            <a:extLst>
+              <a:ext uri="{FF2B5EF4-FFF2-40B4-BE49-F238E27FC236}">
+                <a16:creationId xmlns:a16="http://schemas.microsoft.com/office/drawing/2014/main" id="{4EAC8FC1-CF39-4A47-B97A-14F38E896D11}"/>
+              </a:ext>
+            </a:extLst>
+          </p:cNvPr>
+          <p:cNvSpPr txBox="1"/>
+          <p:nvPr/>
+        </p:nvSpPr>
+        <p:spPr>
+          <a:xfrm>
+            <a:off x="6652193" y="2661628"/>
+            <a:ext cx="386837" cy="276999"/>
+          </a:xfrm>
+          <a:prstGeom prst="rect">
+            <a:avLst/>
+          </a:prstGeom>
+          <a:noFill/>
+        </p:spPr>
+        <p:txBody>
+          <a:bodyPr wrap="none" rtlCol="0">
+            <a:spAutoFit/>
+          </a:bodyPr>
+          <a:lstStyle/>
+          <a:p>
+            <a:r>
+              <a:rPr lang="en-US" sz="1200" dirty="0"/>
+              <a:t>Yes</a:t>
+            </a:r>
+          </a:p>
+        </p:txBody>
+      </p:sp>
     </p:spTree>
     <p:extLst>
       <p:ext uri="{BB962C8B-B14F-4D97-AF65-F5344CB8AC3E}">
@@ -8108,6 +8354,146 @@
           </a:fontRef>
         </p:style>
       </p:cxnSp>
+      <p:sp>
+        <p:nvSpPr>
+          <p:cNvPr id="21" name="TextBox 20">
+            <a:extLst>
+              <a:ext uri="{FF2B5EF4-FFF2-40B4-BE49-F238E27FC236}">
+                <a16:creationId xmlns:a16="http://schemas.microsoft.com/office/drawing/2014/main" id="{D9ECB586-FE4B-4110-9404-DFBD864C154C}"/>
+              </a:ext>
+            </a:extLst>
+          </p:cNvPr>
+          <p:cNvSpPr txBox="1"/>
+          <p:nvPr/>
+        </p:nvSpPr>
+        <p:spPr>
+          <a:xfrm>
+            <a:off x="2281073" y="3668261"/>
+            <a:ext cx="386837" cy="276999"/>
+          </a:xfrm>
+          <a:prstGeom prst="rect">
+            <a:avLst/>
+          </a:prstGeom>
+          <a:noFill/>
+        </p:spPr>
+        <p:txBody>
+          <a:bodyPr wrap="none" rtlCol="0">
+            <a:spAutoFit/>
+          </a:bodyPr>
+          <a:lstStyle/>
+          <a:p>
+            <a:r>
+              <a:rPr lang="en-US" sz="1200" dirty="0"/>
+              <a:t>Yes</a:t>
+            </a:r>
+          </a:p>
+        </p:txBody>
+      </p:sp>
+      <p:sp>
+        <p:nvSpPr>
+          <p:cNvPr id="22" name="TextBox 21">
+            <a:extLst>
+              <a:ext uri="{FF2B5EF4-FFF2-40B4-BE49-F238E27FC236}">
+                <a16:creationId xmlns:a16="http://schemas.microsoft.com/office/drawing/2014/main" id="{1ED1F05A-A955-4643-B071-FF1A5554ED2F}"/>
+              </a:ext>
+            </a:extLst>
+          </p:cNvPr>
+          <p:cNvSpPr txBox="1"/>
+          <p:nvPr/>
+        </p:nvSpPr>
+        <p:spPr>
+          <a:xfrm>
+            <a:off x="3732528" y="2653612"/>
+            <a:ext cx="365806" cy="276999"/>
+          </a:xfrm>
+          <a:prstGeom prst="rect">
+            <a:avLst/>
+          </a:prstGeom>
+          <a:noFill/>
+        </p:spPr>
+        <p:txBody>
+          <a:bodyPr wrap="none" rtlCol="0">
+            <a:spAutoFit/>
+          </a:bodyPr>
+          <a:lstStyle/>
+          <a:p>
+            <a:r>
+              <a:rPr lang="en-US" sz="1200" dirty="0"/>
+              <a:t>No</a:t>
+            </a:r>
+          </a:p>
+        </p:txBody>
+      </p:sp>
+      <p:sp>
+        <p:nvSpPr>
+          <p:cNvPr id="24" name="TextBox 23">
+            <a:extLst>
+              <a:ext uri="{FF2B5EF4-FFF2-40B4-BE49-F238E27FC236}">
+                <a16:creationId xmlns:a16="http://schemas.microsoft.com/office/drawing/2014/main" id="{0EF3237C-E998-4118-A7E3-FCB7F5F23449}"/>
+              </a:ext>
+            </a:extLst>
+          </p:cNvPr>
+          <p:cNvSpPr txBox="1"/>
+          <p:nvPr/>
+        </p:nvSpPr>
+        <p:spPr>
+          <a:xfrm>
+            <a:off x="5200738" y="3676277"/>
+            <a:ext cx="365806" cy="276999"/>
+          </a:xfrm>
+          <a:prstGeom prst="rect">
+            <a:avLst/>
+          </a:prstGeom>
+          <a:noFill/>
+        </p:spPr>
+        <p:txBody>
+          <a:bodyPr wrap="none" rtlCol="0">
+            <a:spAutoFit/>
+          </a:bodyPr>
+          <a:lstStyle/>
+          <a:p>
+            <a:r>
+              <a:rPr lang="en-US" sz="1200" dirty="0"/>
+              <a:t>No</a:t>
+            </a:r>
+          </a:p>
+        </p:txBody>
+      </p:sp>
+      <p:sp>
+        <p:nvSpPr>
+          <p:cNvPr id="25" name="TextBox 24">
+            <a:extLst>
+              <a:ext uri="{FF2B5EF4-FFF2-40B4-BE49-F238E27FC236}">
+                <a16:creationId xmlns:a16="http://schemas.microsoft.com/office/drawing/2014/main" id="{0037DEBE-667F-4E79-A14B-E9D3DD77BCE3}"/>
+              </a:ext>
+            </a:extLst>
+          </p:cNvPr>
+          <p:cNvSpPr txBox="1"/>
+          <p:nvPr/>
+        </p:nvSpPr>
+        <p:spPr>
+          <a:xfrm>
+            <a:off x="6652193" y="2661628"/>
+            <a:ext cx="386837" cy="276999"/>
+          </a:xfrm>
+          <a:prstGeom prst="rect">
+            <a:avLst/>
+          </a:prstGeom>
+          <a:noFill/>
+        </p:spPr>
+        <p:txBody>
+          <a:bodyPr wrap="none" rtlCol="0">
+            <a:spAutoFit/>
+          </a:bodyPr>
+          <a:lstStyle/>
+          <a:p>
+            <a:r>
+              <a:rPr lang="en-US" sz="1200" dirty="0"/>
+              <a:t>Yes</a:t>
+            </a:r>
+          </a:p>
+        </p:txBody>
+      </p:sp>
     </p:spTree>
     <p:extLst>
       <p:ext uri="{BB962C8B-B14F-4D97-AF65-F5344CB8AC3E}">
@@ -9603,21 +9989,6 @@
 </file>
 
 <file path=customXml/item1.xml><?xml version="1.0" encoding="utf-8"?>
-<p:properties xmlns:p="http://schemas.microsoft.com/office/2006/metadata/properties" xmlns:xsi="http://www.w3.org/2001/XMLSchema-instance" xmlns:pc="http://schemas.microsoft.com/office/infopath/2007/PartnerControls">
-  <documentManagement/>
-</p:properties>
-</file>
-
-<file path=customXml/item2.xml><?xml version="1.0" encoding="utf-8"?>
-<?mso-contentType ?>
-<FormTemplates xmlns="http://schemas.microsoft.com/sharepoint/v3/contenttype/forms">
-  <Display>DocumentLibraryForm</Display>
-  <Edit>DocumentLibraryForm</Edit>
-  <New>DocumentLibraryForm</New>
-</FormTemplates>
-</file>
-
-<file path=customXml/item3.xml><?xml version="1.0" encoding="utf-8"?>
 <ct:contentTypeSchema xmlns:ct="http://schemas.microsoft.com/office/2006/metadata/contentType" xmlns:ma="http://schemas.microsoft.com/office/2006/metadata/properties/metaAttributes" ct:_="" ma:_="" ma:contentTypeName="Document" ma:contentTypeID="0x0101005E3F5E7557E766438161B45A0A61DC2E" ma:contentTypeVersion="13" ma:contentTypeDescription="Create a new document." ma:contentTypeScope="" ma:versionID="d1f0ee89402bac91d77c29cc9507da6a">
   <xsd:schema xmlns:xsd="http://www.w3.org/2001/XMLSchema" xmlns:xs="http://www.w3.org/2001/XMLSchema" xmlns:p="http://schemas.microsoft.com/office/2006/metadata/properties" xmlns:ns3="434a48cd-e876-4e7e-9231-cc5150ed5586" xmlns:ns4="03058a63-5a63-4987-8c81-e5bfe130bffa" targetNamespace="http://schemas.microsoft.com/office/2006/metadata/properties" ma:root="true" ma:fieldsID="df6e2f0f61d236998f808855083d151e" ns3:_="" ns4:_="">
     <xsd:import namespace="434a48cd-e876-4e7e-9231-cc5150ed5586"/>
@@ -9840,24 +10211,22 @@
 </ct:contentTypeSchema>
 </file>
 
-<file path=customXml/itemProps1.xml><?xml version="1.0" encoding="utf-8"?>
-<ds:datastoreItem xmlns:ds="http://schemas.openxmlformats.org/officeDocument/2006/customXml" ds:itemID="{EE153CBC-D450-4CB5-8089-CE99DEC4EF5B}">
-  <ds:schemaRefs>
-    <ds:schemaRef ds:uri="http://schemas.microsoft.com/office/2006/metadata/properties"/>
-    <ds:schemaRef ds:uri="http://schemas.microsoft.com/office/infopath/2007/PartnerControls"/>
-  </ds:schemaRefs>
-</ds:datastoreItem>
+<file path=customXml/item2.xml><?xml version="1.0" encoding="utf-8"?>
+<?mso-contentType ?>
+<FormTemplates xmlns="http://schemas.microsoft.com/sharepoint/v3/contenttype/forms">
+  <Display>DocumentLibraryForm</Display>
+  <Edit>DocumentLibraryForm</Edit>
+  <New>DocumentLibraryForm</New>
+</FormTemplates>
 </file>
 
-<file path=customXml/itemProps2.xml><?xml version="1.0" encoding="utf-8"?>
-<ds:datastoreItem xmlns:ds="http://schemas.openxmlformats.org/officeDocument/2006/customXml" ds:itemID="{A24B478A-033F-4C30-A5BA-66788CCF7450}">
-  <ds:schemaRefs>
-    <ds:schemaRef ds:uri="http://schemas.microsoft.com/sharepoint/v3/contenttype/forms"/>
-  </ds:schemaRefs>
-</ds:datastoreItem>
+<file path=customXml/item3.xml><?xml version="1.0" encoding="utf-8"?>
+<p:properties xmlns:p="http://schemas.microsoft.com/office/2006/metadata/properties" xmlns:xsi="http://www.w3.org/2001/XMLSchema-instance" xmlns:pc="http://schemas.microsoft.com/office/infopath/2007/PartnerControls">
+  <documentManagement/>
+</p:properties>
 </file>
 
-<file path=customXml/itemProps3.xml><?xml version="1.0" encoding="utf-8"?>
+<file path=customXml/itemProps1.xml><?xml version="1.0" encoding="utf-8"?>
 <ds:datastoreItem xmlns:ds="http://schemas.openxmlformats.org/officeDocument/2006/customXml" ds:itemID="{A4AFE36C-2C37-4CBC-AAB3-9AF16055274F}">
   <ds:schemaRefs>
     <ds:schemaRef ds:uri="http://schemas.microsoft.com/office/2006/metadata/contentType"/>
@@ -9874,4 +10243,21 @@
     <ds:schemaRef ds:uri="http://schemas.microsoft.com/internal/obd"/>
   </ds:schemaRefs>
 </ds:datastoreItem>
+</file>
+
+<file path=customXml/itemProps2.xml><?xml version="1.0" encoding="utf-8"?>
+<ds:datastoreItem xmlns:ds="http://schemas.openxmlformats.org/officeDocument/2006/customXml" ds:itemID="{A24B478A-033F-4C30-A5BA-66788CCF7450}">
+  <ds:schemaRefs>
+    <ds:schemaRef ds:uri="http://schemas.microsoft.com/sharepoint/v3/contenttype/forms"/>
+  </ds:schemaRefs>
+</ds:datastoreItem>
+</file>
+
+<file path=customXml/itemProps3.xml><?xml version="1.0" encoding="utf-8"?>
+<ds:datastoreItem xmlns:ds="http://schemas.openxmlformats.org/officeDocument/2006/customXml" ds:itemID="{EE153CBC-D450-4CB5-8089-CE99DEC4EF5B}">
+  <ds:schemaRefs>
+    <ds:schemaRef ds:uri="http://schemas.microsoft.com/office/2006/metadata/properties"/>
+    <ds:schemaRef ds:uri="http://schemas.microsoft.com/office/infopath/2007/PartnerControls"/>
+  </ds:schemaRefs>
+</ds:datastoreItem>
 </file>